--- a/presentations/searchhyper.pptx
+++ b/presentations/searchhyper.pptx
@@ -111,7 +111,7 @@
   </p:defaultTextStyle>
   <p:extLst>
     <p:ext uri="{EFAFB233-063F-42B5-8137-9DF3F51BA10A}">
-      <p15:sldGuideLst xmlns:p15="http://schemas.microsoft.com/office/powerpoint/2012/main">
+      <p15:sldGuideLst xmlns:p15="http://schemas.microsoft.com/office/powerpoint/2012/main" xmlns="">
         <p15:guide id="1" orient="horz" pos="2160">
           <p15:clr>
             <a:srgbClr val="A4A3A4"/>
@@ -210,7 +210,7 @@
           <a:p>
             <a:fld id="{D2E7F495-C969-4C41-BECA-C3FFAD36C687}" type="datetimeFigureOut">
               <a:rPr lang="en-GB" smtClean="0"/>
-              <a:t>14/10/2013</a:t>
+              <a:t>15/10/2013</a:t>
             </a:fld>
             <a:endParaRPr lang="en-GB"/>
           </a:p>
@@ -608,15 +608,7 @@
           <a:p>
             <a:r>
               <a:rPr lang="en-GB" dirty="0" smtClean="0"/>
-              <a:t>At Southampton</a:t>
-            </a:r>
-            <a:r>
-              <a:rPr lang="en-GB" dirty="0" smtClean="0"/>
-              <a:t>, </a:t>
-            </a:r>
-            <a:r>
-              <a:rPr lang="en-GB" dirty="0" smtClean="0"/>
-              <a:t>we</a:t>
+              <a:t>At Southampton, we</a:t>
             </a:r>
             <a:r>
               <a:rPr lang="en-GB" baseline="0" dirty="0" smtClean="0"/>
@@ -2971,7 +2963,9 @@
         </p:nvSpPr>
         <p:spPr/>
         <p:txBody>
-          <a:bodyPr/>
+          <a:bodyPr>
+            <a:normAutofit fontScale="92500" lnSpcReduction="20000"/>
+          </a:bodyPr>
           <a:lstStyle/>
           <a:p>
             <a:r>
@@ -3061,10 +3055,10 @@
         </p:nvGrpSpPr>
         <p:grpSpPr>
           <a:xfrm>
-            <a:off x="2325366" y="2909667"/>
-            <a:ext cx="4301544" cy="1148434"/>
-            <a:chOff x="3554453" y="2544685"/>
-            <a:chExt cx="4301544" cy="1148434"/>
+            <a:off x="2868499" y="2568234"/>
+            <a:ext cx="3758411" cy="1489867"/>
+            <a:chOff x="4097586" y="2203252"/>
+            <a:chExt cx="3758411" cy="1489867"/>
           </a:xfrm>
         </p:grpSpPr>
         <p:grpSp>
@@ -3075,10 +3069,10 @@
           </p:nvGrpSpPr>
           <p:grpSpPr>
             <a:xfrm>
-              <a:off x="3554453" y="2544685"/>
-              <a:ext cx="4301544" cy="1148434"/>
-              <a:chOff x="940158" y="643943"/>
-              <a:chExt cx="4301544" cy="1148434"/>
+              <a:off x="4097586" y="2203252"/>
+              <a:ext cx="3758411" cy="1489867"/>
+              <a:chOff x="1483291" y="302510"/>
+              <a:chExt cx="3758411" cy="1489867"/>
             </a:xfrm>
           </p:grpSpPr>
           <p:cxnSp>
@@ -3160,9 +3154,9 @@
               <p:nvPr/>
             </p:nvSpPr>
             <p:spPr>
-              <a:xfrm>
+              <a:xfrm rot="16200000">
                 <a:off x="940158" y="845643"/>
-                <a:ext cx="908647" cy="369332"/>
+                <a:ext cx="1455597" cy="369332"/>
               </a:xfrm>
               <a:prstGeom prst="rect">
                 <a:avLst/>
@@ -3182,6 +3176,8 @@
                         <a:lumMod val="50000"/>
                       </a:schemeClr>
                     </a:solidFill>
+                    <a:latin typeface="DigitalStrip"/>
+                    <a:cs typeface="DigitalStrip"/>
                   </a:rPr>
                   <a:t>Interest</a:t>
                 </a:r>
@@ -3191,6 +3187,8 @@
                       <a:lumMod val="50000"/>
                     </a:schemeClr>
                   </a:solidFill>
+                  <a:latin typeface="DigitalStrip"/>
+                  <a:cs typeface="DigitalStrip"/>
                 </a:endParaRPr>
               </a:p>
             </p:txBody>
@@ -3204,7 +3202,7 @@
             <p:spPr>
               <a:xfrm>
                 <a:off x="3138882" y="1423045"/>
-                <a:ext cx="649537" cy="369332"/>
+                <a:ext cx="787395" cy="369332"/>
               </a:xfrm>
               <a:prstGeom prst="rect">
                 <a:avLst/>
@@ -3224,6 +3222,8 @@
                         <a:lumMod val="50000"/>
                       </a:schemeClr>
                     </a:solidFill>
+                    <a:latin typeface="DigitalStrip"/>
+                    <a:cs typeface="DigitalStrip"/>
                   </a:rPr>
                   <a:t>Time</a:t>
                 </a:r>
@@ -3233,6 +3233,8 @@
                       <a:lumMod val="50000"/>
                     </a:schemeClr>
                   </a:solidFill>
+                  <a:latin typeface="DigitalStrip"/>
+                  <a:cs typeface="DigitalStrip"/>
                 </a:endParaRPr>
               </a:p>
             </p:txBody>
@@ -3415,8 +3417,8 @@
         </p:nvSpPr>
         <p:spPr>
           <a:xfrm>
-            <a:off x="2149970" y="282296"/>
-            <a:ext cx="4913974" cy="369332"/>
+            <a:off x="901375" y="282296"/>
+            <a:ext cx="7126545" cy="369332"/>
           </a:xfrm>
           <a:prstGeom prst="rect">
             <a:avLst/>
@@ -3444,6 +3446,8 @@
                     </a:srgbClr>
                   </a:outerShdw>
                 </a:effectLst>
+                <a:latin typeface="DigitalStrip"/>
+                <a:cs typeface="DigitalStrip"/>
               </a:rPr>
               <a:t>Query: “Graham Norton interviewing Jimmy Carr”</a:t>
             </a:r>
@@ -3461,6 +3465,8 @@
                   </a:srgbClr>
                 </a:outerShdw>
               </a:effectLst>
+              <a:latin typeface="DigitalStrip"/>
+              <a:cs typeface="DigitalStrip"/>
             </a:endParaRPr>
           </a:p>
         </p:txBody>
@@ -3516,8 +3522,8 @@
         </p:nvSpPr>
         <p:spPr>
           <a:xfrm>
-            <a:off x="1778014" y="1114007"/>
-            <a:ext cx="1240051" cy="646331"/>
+            <a:off x="897467" y="1147873"/>
+            <a:ext cx="1936306" cy="646331"/>
           </a:xfrm>
           <a:prstGeom prst="rect">
             <a:avLst/>
@@ -3543,18 +3549,10 @@
                     <a:lumMod val="50000"/>
                   </a:schemeClr>
                 </a:solidFill>
+                <a:latin typeface="DigitalStrip"/>
+                <a:cs typeface="DigitalStrip"/>
               </a:rPr>
-              <a:t>Transcript </a:t>
-            </a:r>
-            <a:r>
-              <a:rPr lang="en-GB" dirty="0" smtClean="0">
-                <a:solidFill>
-                  <a:schemeClr val="accent1">
-                    <a:lumMod val="50000"/>
-                  </a:schemeClr>
-                </a:solidFill>
-              </a:rPr>
-              <a:t>search</a:t>
+              <a:t>Transcript search</a:t>
             </a:r>
             <a:endParaRPr lang="en-GB" dirty="0">
               <a:solidFill>
@@ -3562,6 +3560,8 @@
                   <a:lumMod val="50000"/>
                 </a:schemeClr>
               </a:solidFill>
+              <a:latin typeface="DigitalStrip"/>
+              <a:cs typeface="DigitalStrip"/>
             </a:endParaRPr>
           </a:p>
         </p:txBody>
@@ -3608,7 +3608,7 @@
         <p:spPr>
           <a:xfrm>
             <a:off x="2585502" y="2205418"/>
-            <a:ext cx="1842684" cy="369332"/>
+            <a:ext cx="2610661" cy="369332"/>
           </a:xfrm>
           <a:prstGeom prst="rect">
             <a:avLst/>
@@ -3628,6 +3628,8 @@
                     <a:lumMod val="75000"/>
                   </a:schemeClr>
                 </a:solidFill>
+                <a:latin typeface="DigitalStrip"/>
+                <a:cs typeface="DigitalStrip"/>
               </a:rPr>
               <a:t>“… Jimmy Carr …”</a:t>
             </a:r>
@@ -3637,6 +3639,8 @@
                   <a:lumMod val="75000"/>
                 </a:schemeClr>
               </a:solidFill>
+              <a:latin typeface="DigitalStrip"/>
+              <a:cs typeface="DigitalStrip"/>
             </a:endParaRPr>
           </a:p>
         </p:txBody>
@@ -3682,10 +3686,10 @@
         </p:nvGrpSpPr>
         <p:grpSpPr>
           <a:xfrm>
-            <a:off x="126642" y="4624892"/>
-            <a:ext cx="4301544" cy="1157025"/>
-            <a:chOff x="209508" y="4255560"/>
-            <a:chExt cx="4301544" cy="1157025"/>
+            <a:off x="669775" y="4292050"/>
+            <a:ext cx="3758411" cy="1489867"/>
+            <a:chOff x="752641" y="3922718"/>
+            <a:chExt cx="3758411" cy="1489867"/>
           </a:xfrm>
         </p:grpSpPr>
         <p:grpSp>
@@ -3696,10 +3700,10 @@
           </p:nvGrpSpPr>
           <p:grpSpPr>
             <a:xfrm>
-              <a:off x="209508" y="4264151"/>
-              <a:ext cx="4301544" cy="1148434"/>
-              <a:chOff x="3554453" y="2544685"/>
-              <a:chExt cx="4301544" cy="1148434"/>
+              <a:off x="752641" y="3922718"/>
+              <a:ext cx="3758411" cy="1489867"/>
+              <a:chOff x="4097586" y="2203252"/>
+              <a:chExt cx="3758411" cy="1489867"/>
             </a:xfrm>
           </p:grpSpPr>
           <p:grpSp>
@@ -3710,10 +3714,10 @@
             </p:nvGrpSpPr>
             <p:grpSpPr>
               <a:xfrm>
-                <a:off x="3554453" y="2544685"/>
-                <a:ext cx="4301544" cy="1148434"/>
-                <a:chOff x="940158" y="643943"/>
-                <a:chExt cx="4301544" cy="1148434"/>
+                <a:off x="4097586" y="2203252"/>
+                <a:ext cx="3758411" cy="1489867"/>
+                <a:chOff x="1483291" y="302510"/>
+                <a:chExt cx="3758411" cy="1489867"/>
               </a:xfrm>
             </p:grpSpPr>
             <p:cxnSp>
@@ -3795,9 +3799,9 @@
                 <p:nvPr/>
               </p:nvSpPr>
               <p:spPr>
-                <a:xfrm>
+                <a:xfrm rot="16200000">
                   <a:off x="940158" y="845643"/>
-                  <a:ext cx="908647" cy="369332"/>
+                  <a:ext cx="1455597" cy="369332"/>
                 </a:xfrm>
                 <a:prstGeom prst="rect">
                   <a:avLst/>
@@ -3817,6 +3821,8 @@
                           <a:lumMod val="50000"/>
                         </a:schemeClr>
                       </a:solidFill>
+                      <a:latin typeface="DigitalStrip"/>
+                      <a:cs typeface="DigitalStrip"/>
                     </a:rPr>
                     <a:t>Interest</a:t>
                   </a:r>
@@ -3826,6 +3832,8 @@
                         <a:lumMod val="50000"/>
                       </a:schemeClr>
                     </a:solidFill>
+                    <a:latin typeface="DigitalStrip"/>
+                    <a:cs typeface="DigitalStrip"/>
                   </a:endParaRPr>
                 </a:p>
               </p:txBody>
@@ -3839,7 +3847,7 @@
               <p:spPr>
                 <a:xfrm>
                   <a:off x="3138882" y="1423045"/>
-                  <a:ext cx="649537" cy="369332"/>
+                  <a:ext cx="787395" cy="369332"/>
                 </a:xfrm>
                 <a:prstGeom prst="rect">
                   <a:avLst/>
@@ -3859,6 +3867,8 @@
                           <a:lumMod val="50000"/>
                         </a:schemeClr>
                       </a:solidFill>
+                      <a:latin typeface="DigitalStrip"/>
+                      <a:cs typeface="DigitalStrip"/>
                     </a:rPr>
                     <a:t>Time</a:t>
                   </a:r>
@@ -3868,6 +3878,8 @@
                         <a:lumMod val="50000"/>
                       </a:schemeClr>
                     </a:solidFill>
+                    <a:latin typeface="DigitalStrip"/>
+                    <a:cs typeface="DigitalStrip"/>
                   </a:endParaRPr>
                 </a:p>
               </p:txBody>
@@ -5008,6 +5020,8 @@
                     <a:lumMod val="50000"/>
                   </a:schemeClr>
                 </a:solidFill>
+                <a:latin typeface="DigitalStrip"/>
+                <a:cs typeface="DigitalStrip"/>
               </a:rPr>
               <a:t>Results:</a:t>
             </a:r>
@@ -5019,6 +5033,8 @@
                   <a:lumMod val="50000"/>
                 </a:schemeClr>
               </a:solidFill>
+              <a:latin typeface="DigitalStrip"/>
+              <a:cs typeface="DigitalStrip"/>
             </a:endParaRPr>
           </a:p>
           <a:p>
@@ -5029,6 +5045,8 @@
                     <a:lumMod val="50000"/>
                   </a:schemeClr>
                 </a:solidFill>
+                <a:latin typeface="DigitalStrip"/>
+                <a:cs typeface="DigitalStrip"/>
               </a:rPr>
               <a:t>01:13 – 04:29</a:t>
             </a:r>
@@ -5041,6 +5059,8 @@
                     <a:lumMod val="50000"/>
                   </a:schemeClr>
                 </a:solidFill>
+                <a:latin typeface="DigitalStrip"/>
+                <a:cs typeface="DigitalStrip"/>
               </a:rPr>
               <a:t>…</a:t>
             </a:r>
@@ -5050,6 +5070,8 @@
                   <a:lumMod val="50000"/>
                 </a:schemeClr>
               </a:solidFill>
+              <a:latin typeface="DigitalStrip"/>
+              <a:cs typeface="DigitalStrip"/>
             </a:endParaRPr>
           </a:p>
         </p:txBody>
@@ -5095,8 +5117,8 @@
         </p:nvSpPr>
         <p:spPr>
           <a:xfrm>
-            <a:off x="3234013" y="1114007"/>
-            <a:ext cx="1240051" cy="646331"/>
+            <a:off x="3150763" y="1147873"/>
+            <a:ext cx="1962150" cy="646331"/>
           </a:xfrm>
           <a:prstGeom prst="rect">
             <a:avLst/>
@@ -5138,6 +5160,8 @@
                     <a:lumMod val="50000"/>
                   </a:schemeClr>
                 </a:solidFill>
+                <a:latin typeface="DigitalStrip"/>
+                <a:cs typeface="DigitalStrip"/>
               </a:rPr>
               <a:t>Visual concepts</a:t>
             </a:r>
@@ -5147,6 +5171,8 @@
                   <a:lumMod val="50000"/>
                 </a:schemeClr>
               </a:solidFill>
+              <a:latin typeface="DigitalStrip"/>
+              <a:cs typeface="DigitalStrip"/>
             </a:endParaRPr>
           </a:p>
         </p:txBody>
@@ -5159,8 +5185,8 @@
         </p:nvSpPr>
         <p:spPr>
           <a:xfrm>
-            <a:off x="4690012" y="1100007"/>
-            <a:ext cx="1240051" cy="646331"/>
+            <a:off x="5441576" y="1147873"/>
+            <a:ext cx="1916595" cy="646331"/>
           </a:xfrm>
           <a:prstGeom prst="rect">
             <a:avLst/>
@@ -5201,6 +5227,8 @@
                     <a:lumMod val="50000"/>
                   </a:schemeClr>
                 </a:solidFill>
+                <a:latin typeface="DigitalStrip"/>
+                <a:cs typeface="DigitalStrip"/>
               </a:rPr>
               <a:t>Similar </a:t>
             </a:r>
@@ -5211,6 +5239,8 @@
                     <a:lumMod val="50000"/>
                   </a:schemeClr>
                 </a:solidFill>
+                <a:latin typeface="DigitalStrip"/>
+                <a:cs typeface="DigitalStrip"/>
               </a:rPr>
               <a:t>keyframes</a:t>
             </a:r>
@@ -5220,6 +5250,8 @@
                   <a:lumMod val="50000"/>
                 </a:schemeClr>
               </a:solidFill>
+              <a:latin typeface="DigitalStrip"/>
+              <a:cs typeface="DigitalStrip"/>
             </a:endParaRPr>
           </a:p>
         </p:txBody>
@@ -5232,7 +5264,7 @@
         </p:nvSpPr>
         <p:spPr>
           <a:xfrm>
-            <a:off x="6146011" y="1252506"/>
+            <a:off x="7771611" y="1424311"/>
             <a:ext cx="343364" cy="369332"/>
           </a:xfrm>
           <a:prstGeom prst="rect">
@@ -5296,7 +5328,7 @@
         <p:spPr>
           <a:xfrm>
             <a:off x="5310037" y="638220"/>
-            <a:ext cx="0" cy="376122"/>
+            <a:ext cx="955296" cy="437309"/>
           </a:xfrm>
           <a:prstGeom prst="straightConnector1">
             <a:avLst/>
@@ -5333,7 +5365,7 @@
   <p:timing>
     <p:tnLst>
       <p:par>
-        <p:cTn id="1" dur="indefinite" restart="never" nodeType="tmRoot"/>
+        <p:cTn xmlns:p14="http://schemas.microsoft.com/office/powerpoint/2010/main" id="1" dur="indefinite" restart="never" nodeType="tmRoot"/>
       </p:par>
     </p:tnLst>
   </p:timing>
@@ -5803,7 +5835,7 @@
     </a:clrScheme>
     <a:fontScheme name="Office">
       <a:majorFont>
-        <a:latin typeface="Calibri Light" panose="020F0302020204030204"/>
+        <a:latin typeface="Calibri Light"/>
         <a:ea typeface=""/>
         <a:cs typeface=""/>
         <a:font script="Jpan" typeface="ＭＳ Ｐゴシック"/>
@@ -5838,7 +5870,7 @@
         <a:font script="Geor" typeface="Sylfaen"/>
       </a:majorFont>
       <a:minorFont>
-        <a:latin typeface="Calibri" panose="020F0502020204030204"/>
+        <a:latin typeface="Calibri"/>
         <a:ea typeface=""/>
         <a:cs typeface=""/>
         <a:font script="Jpan" typeface="ＭＳ Ｐゴシック"/>
@@ -6015,7 +6047,7 @@
   <a:extraClrSchemeLst/>
   <a:extLst>
     <a:ext uri="{05A4C25C-085E-4340-85A3-A5531E510DB2}">
-      <thm15:themeFamily xmlns:thm15="http://schemas.microsoft.com/office/thememl/2012/main" name="Office Theme" id="{62F939B6-93AF-4DB8-9C6B-D6C7DFDC589F}" vid="{4A3C46E8-61CC-4603-A589-7422A47A8E4A}"/>
+      <thm15:themeFamily xmlns:thm15="http://schemas.microsoft.com/office/thememl/2012/main" xmlns="" name="Office Theme" id="{62F939B6-93AF-4DB8-9C6B-D6C7DFDC589F}" vid="{4A3C46E8-61CC-4603-A589-7422A47A8E4A}"/>
     </a:ext>
   </a:extLst>
 </a:theme>

--- a/presentations/searchhyper.pptx
+++ b/presentations/searchhyper.pptx
@@ -111,7 +111,7 @@
   </p:defaultTextStyle>
   <p:extLst>
     <p:ext uri="{EFAFB233-063F-42B5-8137-9DF3F51BA10A}">
-      <p15:sldGuideLst xmlns:p15="http://schemas.microsoft.com/office/powerpoint/2012/main" xmlns="">
+      <p15:sldGuideLst xmlns="" xmlns:p15="http://schemas.microsoft.com/office/powerpoint/2012/main">
         <p15:guide id="1" orient="horz" pos="2160">
           <p15:clr>
             <a:srgbClr val="A4A3A4"/>
@@ -3022,7 +3022,7 @@
         </p:nvCxnSpPr>
         <p:spPr>
           <a:xfrm>
-            <a:off x="4310976" y="2573689"/>
+            <a:off x="4310976" y="3156920"/>
             <a:ext cx="927163" cy="537678"/>
           </a:xfrm>
           <a:prstGeom prst="straightConnector1">
@@ -3055,7 +3055,7 @@
         </p:nvGrpSpPr>
         <p:grpSpPr>
           <a:xfrm>
-            <a:off x="2868499" y="2568234"/>
+            <a:off x="2868499" y="3151465"/>
             <a:ext cx="3758411" cy="1489867"/>
             <a:chOff x="4097586" y="2203252"/>
             <a:chExt cx="3758411" cy="1489867"/>
@@ -3417,7 +3417,7 @@
         </p:nvSpPr>
         <p:spPr>
           <a:xfrm>
-            <a:off x="901375" y="282296"/>
+            <a:off x="901375" y="865527"/>
             <a:ext cx="7126545" cy="369332"/>
           </a:xfrm>
           <a:prstGeom prst="rect">
@@ -3479,7 +3479,7 @@
         </p:nvSpPr>
         <p:spPr>
           <a:xfrm rot="5400000" flipH="1">
-            <a:off x="5129915" y="2777585"/>
+            <a:off x="5129915" y="3360816"/>
             <a:ext cx="173748" cy="1094704"/>
           </a:xfrm>
           <a:prstGeom prst="rightBrace">
@@ -3522,7 +3522,7 @@
         </p:nvSpPr>
         <p:spPr>
           <a:xfrm>
-            <a:off x="897467" y="1147873"/>
+            <a:off x="897467" y="1731104"/>
             <a:ext cx="1936306" cy="646331"/>
           </a:xfrm>
           <a:prstGeom prst="rect">
@@ -3574,7 +3574,7 @@
         </p:nvCxnSpPr>
         <p:spPr>
           <a:xfrm flipH="1">
-            <a:off x="2426790" y="657997"/>
+            <a:off x="2426790" y="1241228"/>
             <a:ext cx="333068" cy="417532"/>
           </a:xfrm>
           <a:prstGeom prst="straightConnector1">
@@ -3607,7 +3607,7 @@
         </p:nvSpPr>
         <p:spPr>
           <a:xfrm>
-            <a:off x="2585502" y="2205418"/>
+            <a:off x="2585502" y="2788649"/>
             <a:ext cx="2610661" cy="369332"/>
           </a:xfrm>
           <a:prstGeom prst="rect">
@@ -3653,7 +3653,7 @@
         </p:nvCxnSpPr>
         <p:spPr>
           <a:xfrm>
-            <a:off x="2470714" y="1877964"/>
+            <a:off x="2470714" y="2461195"/>
             <a:ext cx="324847" cy="310353"/>
           </a:xfrm>
           <a:prstGeom prst="straightConnector1">
@@ -3686,7 +3686,7 @@
         </p:nvGrpSpPr>
         <p:grpSpPr>
           <a:xfrm>
-            <a:off x="669775" y="4292050"/>
+            <a:off x="669775" y="4875281"/>
             <a:ext cx="3758411" cy="1489867"/>
             <a:chOff x="752641" y="3922718"/>
             <a:chExt cx="3758411" cy="1489867"/>
@@ -4961,7 +4961,7 @@
         </p:nvCxnSpPr>
         <p:spPr>
           <a:xfrm flipH="1">
-            <a:off x="4158576" y="4079485"/>
+            <a:off x="4158576" y="4662716"/>
             <a:ext cx="435618" cy="356519"/>
           </a:xfrm>
           <a:prstGeom prst="straightConnector1">
@@ -4994,7 +4994,7 @@
         </p:nvSpPr>
         <p:spPr>
           <a:xfrm>
-            <a:off x="5238138" y="4637771"/>
+            <a:off x="5238138" y="5221002"/>
             <a:ext cx="3467980" cy="1200329"/>
           </a:xfrm>
           <a:prstGeom prst="rect">
@@ -5084,7 +5084,7 @@
         </p:nvCxnSpPr>
         <p:spPr>
           <a:xfrm>
-            <a:off x="4594194" y="5024136"/>
+            <a:off x="4594194" y="5607367"/>
             <a:ext cx="518719" cy="0"/>
           </a:xfrm>
           <a:prstGeom prst="straightConnector1">
@@ -5117,7 +5117,7 @@
         </p:nvSpPr>
         <p:spPr>
           <a:xfrm>
-            <a:off x="3150763" y="1147873"/>
+            <a:off x="3150763" y="1731104"/>
             <a:ext cx="1962150" cy="646331"/>
           </a:xfrm>
           <a:prstGeom prst="rect">
@@ -5185,7 +5185,7 @@
         </p:nvSpPr>
         <p:spPr>
           <a:xfrm>
-            <a:off x="5441576" y="1147873"/>
+            <a:off x="5441576" y="1731104"/>
             <a:ext cx="1916595" cy="646331"/>
           </a:xfrm>
           <a:prstGeom prst="rect">
@@ -5264,7 +5264,7 @@
         </p:nvSpPr>
         <p:spPr>
           <a:xfrm>
-            <a:off x="7771611" y="1424311"/>
+            <a:off x="7771611" y="2007542"/>
             <a:ext cx="343364" cy="369332"/>
           </a:xfrm>
           <a:prstGeom prst="rect">
@@ -5294,7 +5294,7 @@
         </p:nvCxnSpPr>
         <p:spPr>
           <a:xfrm flipH="1">
-            <a:off x="3862363" y="651628"/>
+            <a:off x="3862363" y="1234859"/>
             <a:ext cx="100884" cy="423901"/>
           </a:xfrm>
           <a:prstGeom prst="straightConnector1">
@@ -5327,7 +5327,7 @@
         </p:nvCxnSpPr>
         <p:spPr>
           <a:xfrm>
-            <a:off x="5310037" y="638220"/>
+            <a:off x="5310037" y="1221451"/>
             <a:ext cx="955296" cy="437309"/>
           </a:xfrm>
           <a:prstGeom prst="straightConnector1">
@@ -5352,6 +5352,59 @@
           </a:fontRef>
         </p:style>
       </p:cxnSp>
+      <p:sp>
+        <p:nvSpPr>
+          <p:cNvPr id="3" name="Rectangle 2"/>
+          <p:cNvSpPr/>
+          <p:nvPr/>
+        </p:nvSpPr>
+        <p:spPr>
+          <a:xfrm>
+            <a:off x="60948" y="40899"/>
+            <a:ext cx="9083052" cy="1200328"/>
+          </a:xfrm>
+          <a:prstGeom prst="rect">
+            <a:avLst/>
+          </a:prstGeom>
+        </p:spPr>
+        <p:txBody>
+          <a:bodyPr wrap="square">
+            <a:spAutoFit/>
+          </a:bodyPr>
+          <a:lstStyle/>
+          <a:p>
+            <a:pPr algn="ctr"/>
+            <a:r>
+              <a:rPr lang="en-GB" sz="2400" dirty="0">
+                <a:latin typeface="Digital Strip"/>
+                <a:cs typeface="Digital Strip"/>
+              </a:rPr>
+              <a:t>A Unified, Modular and Multimodal Approach to Search and </a:t>
+            </a:r>
+            <a:r>
+              <a:rPr lang="en-GB" sz="2400" dirty="0" smtClean="0">
+                <a:latin typeface="Digital Strip"/>
+                <a:cs typeface="Digital Strip"/>
+              </a:rPr>
+              <a:t>Hyperlinking </a:t>
+            </a:r>
+            <a:r>
+              <a:rPr lang="en-GB" sz="2400" dirty="0">
+                <a:latin typeface="Digital Strip"/>
+                <a:cs typeface="Digital Strip"/>
+              </a:rPr>
+              <a:t>Video</a:t>
+            </a:r>
+          </a:p>
+          <a:p>
+            <a:pPr algn="ctr"/>
+            <a:endParaRPr lang="en-GB" sz="2400" dirty="0">
+              <a:latin typeface="Digital Strip"/>
+              <a:cs typeface="Digital Strip"/>
+            </a:endParaRPr>
+          </a:p>
+        </p:txBody>
+      </p:sp>
     </p:spTree>
     <p:extLst>
       <p:ext uri="{BB962C8B-B14F-4D97-AF65-F5344CB8AC3E}">
@@ -6047,7 +6100,7 @@
   <a:extraClrSchemeLst/>
   <a:extLst>
     <a:ext uri="{05A4C25C-085E-4340-85A3-A5531E510DB2}">
-      <thm15:themeFamily xmlns:thm15="http://schemas.microsoft.com/office/thememl/2012/main" xmlns="" name="Office Theme" id="{62F939B6-93AF-4DB8-9C6B-D6C7DFDC589F}" vid="{4A3C46E8-61CC-4603-A589-7422A47A8E4A}"/>
+      <thm15:themeFamily xmlns="" xmlns:thm15="http://schemas.microsoft.com/office/thememl/2012/main" name="Office Theme" id="{62F939B6-93AF-4DB8-9C6B-D6C7DFDC589F}" vid="{4A3C46E8-61CC-4603-A589-7422A47A8E4A}"/>
     </a:ext>
   </a:extLst>
 </a:theme>
